--- a/module_3/Presentation_for_project3/Presentation1.pptx
+++ b/module_3/Presentation_for_project3/Presentation1.pptx
@@ -108,6 +108,11 @@
       </a:defRPr>
     </a:lvl9pPr>
   </p:defaultTextStyle>
+  <p:extLst>
+    <p:ext uri="{EFAFB233-063F-42B5-8137-9DF3F51BA10A}">
+      <p15:sldGuideLst xmlns:p15="http://schemas.microsoft.com/office/powerpoint/2012/main"/>
+    </p:ext>
+  </p:extLst>
 </p:presentation>
 </file>
 
@@ -4086,6 +4091,36 @@
           <a:chExt cx="0" cy="0"/>
         </a:xfrm>
       </p:grpSpPr>
+      <p:pic>
+        <p:nvPicPr>
+          <p:cNvPr id="4" name="Picture 3">
+            <a:extLst>
+              <a:ext uri="{FF2B5EF4-FFF2-40B4-BE49-F238E27FC236}">
+                <a16:creationId xmlns:a16="http://schemas.microsoft.com/office/drawing/2014/main" id="{17A5422F-49A2-8C4D-A7EC-A24E94BAD75E}"/>
+              </a:ext>
+            </a:extLst>
+          </p:cNvPr>
+          <p:cNvPicPr>
+            <a:picLocks noChangeAspect="1"/>
+          </p:cNvPicPr>
+          <p:nvPr/>
+        </p:nvPicPr>
+        <p:blipFill>
+          <a:blip r:embed="rId3"/>
+          <a:stretch>
+            <a:fillRect/>
+          </a:stretch>
+        </p:blipFill>
+        <p:spPr>
+          <a:xfrm>
+            <a:off x="3338273" y="4175087"/>
+            <a:ext cx="6184900" cy="1028700"/>
+          </a:xfrm>
+          <a:prstGeom prst="rect">
+            <a:avLst/>
+          </a:prstGeom>
+        </p:spPr>
+      </p:pic>
       <p:sp>
         <p:nvSpPr>
           <p:cNvPr id="2" name="Title 1"/>
@@ -4486,7 +4521,7 @@
           <p:nvPr/>
         </p:nvPicPr>
         <p:blipFill rotWithShape="1">
-          <a:blip r:embed="rId3"/>
+          <a:blip r:embed="rId4"/>
           <a:srcRect t="21557" b="29590"/>
           <a:stretch/>
         </p:blipFill>
@@ -4500,36 +4535,6 @@
           </a:prstGeom>
         </p:spPr>
       </p:pic>
-      <p:pic>
-        <p:nvPicPr>
-          <p:cNvPr id="3" name="Picture 2">
-            <a:extLst>
-              <a:ext uri="{FF2B5EF4-FFF2-40B4-BE49-F238E27FC236}">
-                <a16:creationId xmlns:a16="http://schemas.microsoft.com/office/drawing/2014/main" id="{34005487-4907-684F-B62D-91B13B655F2F}"/>
-              </a:ext>
-            </a:extLst>
-          </p:cNvPr>
-          <p:cNvPicPr>
-            <a:picLocks noChangeAspect="1"/>
-          </p:cNvPicPr>
-          <p:nvPr/>
-        </p:nvPicPr>
-        <p:blipFill>
-          <a:blip r:embed="rId4"/>
-          <a:stretch>
-            <a:fillRect/>
-          </a:stretch>
-        </p:blipFill>
-        <p:spPr>
-          <a:xfrm>
-            <a:off x="3543300" y="4029832"/>
-            <a:ext cx="5105400" cy="1155700"/>
-          </a:xfrm>
-          <a:prstGeom prst="rect">
-            <a:avLst/>
-          </a:prstGeom>
-        </p:spPr>
-      </p:pic>
       <p:sp>
         <p:nvSpPr>
           <p:cNvPr id="15" name="TextBox 14">
@@ -4811,6 +4816,45 @@
               <a:t>(10), p.e1007425.</a:t>
             </a:r>
             <a:endParaRPr lang="en-US" sz="1600" dirty="0"/>
+          </a:p>
+        </p:txBody>
+      </p:sp>
+      <p:sp>
+        <p:nvSpPr>
+          <p:cNvPr id="19" name="TextBox 18">
+            <a:extLst>
+              <a:ext uri="{FF2B5EF4-FFF2-40B4-BE49-F238E27FC236}">
+                <a16:creationId xmlns:a16="http://schemas.microsoft.com/office/drawing/2014/main" id="{116C7236-5FCF-1D48-924F-43697947A9B4}"/>
+              </a:ext>
+            </a:extLst>
+          </p:cNvPr>
+          <p:cNvSpPr txBox="1"/>
+          <p:nvPr/>
+        </p:nvSpPr>
+        <p:spPr>
+          <a:xfrm>
+            <a:off x="8091579" y="4995229"/>
+            <a:ext cx="1363707" cy="369332"/>
+          </a:xfrm>
+          <a:prstGeom prst="rect">
+            <a:avLst/>
+          </a:prstGeom>
+          <a:noFill/>
+        </p:spPr>
+        <p:txBody>
+          <a:bodyPr wrap="none" rtlCol="0">
+            <a:spAutoFit/>
+          </a:bodyPr>
+          <a:lstStyle/>
+          <a:p>
+            <a:r>
+              <a:rPr lang="en-US" b="1" dirty="0">
+                <a:solidFill>
+                  <a:srgbClr val="D9782D"/>
+                </a:solidFill>
+              </a:rPr>
+              <a:t>Degradation</a:t>
+            </a:r>
           </a:p>
         </p:txBody>
       </p:sp>
